--- a/Calendario2022/presentaciones/6_Funciones.pptx
+++ b/Calendario2022/presentaciones/6_Funciones.pptx
@@ -231,7 +231,7 @@
           <a:p>
             <a:fld id="{DDE721D5-655F-45D2-B717-3C4CD78C8568}" type="datetimeFigureOut">
               <a:rPr lang="es-MX" smtClean="0"/>
-              <a:t>20/08/2021</a:t>
+              <a:t>24/02/2022</a:t>
             </a:fld>
             <a:endParaRPr lang="es-MX" dirty="0"/>
           </a:p>
@@ -1268,7 +1268,7 @@
           <a:p>
             <a:fld id="{B3F3E716-CACC-4490-AD07-F24B6A68DE47}" type="datetimeFigureOut">
               <a:rPr lang="es-MX" smtClean="0"/>
-              <a:t>20/08/2021</a:t>
+              <a:t>24/02/2022</a:t>
             </a:fld>
             <a:endParaRPr lang="es-MX" dirty="0"/>
           </a:p>
@@ -1438,7 +1438,7 @@
           <a:p>
             <a:fld id="{B3F3E716-CACC-4490-AD07-F24B6A68DE47}" type="datetimeFigureOut">
               <a:rPr lang="es-MX" smtClean="0"/>
-              <a:t>20/08/2021</a:t>
+              <a:t>24/02/2022</a:t>
             </a:fld>
             <a:endParaRPr lang="es-MX" dirty="0"/>
           </a:p>
@@ -1618,7 +1618,7 @@
           <a:p>
             <a:fld id="{B3F3E716-CACC-4490-AD07-F24B6A68DE47}" type="datetimeFigureOut">
               <a:rPr lang="es-MX" smtClean="0"/>
-              <a:t>20/08/2021</a:t>
+              <a:t>24/02/2022</a:t>
             </a:fld>
             <a:endParaRPr lang="es-MX" dirty="0"/>
           </a:p>
@@ -1740,7 +1740,7 @@
             </a:lvl1pPr>
           </a:lstStyle>
           <a:p>
-            <a:endParaRPr/>
+            <a:endParaRPr dirty="0"/>
           </a:p>
         </p:txBody>
       </p:sp>
@@ -1771,9 +1771,9 @@
           <a:p>
             <a:fld id="{1D8BD707-D9CF-40AE-B4C6-C98DA3205C09}" type="datetimeFigureOut">
               <a:rPr lang="en-US" smtClean="0"/>
-              <a:t>8/20/2021</a:t>
+              <a:t>2/24/2022</a:t>
             </a:fld>
-            <a:endParaRPr lang="en-US"/>
+            <a:endParaRPr lang="en-US" dirty="0"/>
           </a:p>
         </p:txBody>
       </p:sp>
@@ -1803,7 +1803,7 @@
               <a:pPr marL="25400"/>
               <a:t>‹Nº›</a:t>
             </a:fld>
-            <a:endParaRPr lang="es-MX">
+            <a:endParaRPr lang="es-MX" dirty="0">
               <a:cs typeface="Calibri"/>
             </a:endParaRPr>
           </a:p>
@@ -1931,7 +1931,7 @@
           <a:p>
             <a:fld id="{B3F3E716-CACC-4490-AD07-F24B6A68DE47}" type="datetimeFigureOut">
               <a:rPr lang="es-MX" smtClean="0"/>
-              <a:t>20/08/2021</a:t>
+              <a:t>24/02/2022</a:t>
             </a:fld>
             <a:endParaRPr lang="es-MX" dirty="0"/>
           </a:p>
@@ -2177,7 +2177,7 @@
           <a:p>
             <a:fld id="{B3F3E716-CACC-4490-AD07-F24B6A68DE47}" type="datetimeFigureOut">
               <a:rPr lang="es-MX" smtClean="0"/>
-              <a:t>20/08/2021</a:t>
+              <a:t>24/02/2022</a:t>
             </a:fld>
             <a:endParaRPr lang="es-MX" dirty="0"/>
           </a:p>
@@ -2465,7 +2465,7 @@
           <a:p>
             <a:fld id="{B3F3E716-CACC-4490-AD07-F24B6A68DE47}" type="datetimeFigureOut">
               <a:rPr lang="es-MX" smtClean="0"/>
-              <a:t>20/08/2021</a:t>
+              <a:t>24/02/2022</a:t>
             </a:fld>
             <a:endParaRPr lang="es-MX" dirty="0"/>
           </a:p>
@@ -2887,7 +2887,7 @@
           <a:p>
             <a:fld id="{B3F3E716-CACC-4490-AD07-F24B6A68DE47}" type="datetimeFigureOut">
               <a:rPr lang="es-MX" smtClean="0"/>
-              <a:t>20/08/2021</a:t>
+              <a:t>24/02/2022</a:t>
             </a:fld>
             <a:endParaRPr lang="es-MX" dirty="0"/>
           </a:p>
@@ -3005,7 +3005,7 @@
           <a:p>
             <a:fld id="{B3F3E716-CACC-4490-AD07-F24B6A68DE47}" type="datetimeFigureOut">
               <a:rPr lang="es-MX" smtClean="0"/>
-              <a:t>20/08/2021</a:t>
+              <a:t>24/02/2022</a:t>
             </a:fld>
             <a:endParaRPr lang="es-MX" dirty="0"/>
           </a:p>
@@ -3100,7 +3100,7 @@
           <a:p>
             <a:fld id="{B3F3E716-CACC-4490-AD07-F24B6A68DE47}" type="datetimeFigureOut">
               <a:rPr lang="es-MX" smtClean="0"/>
-              <a:t>20/08/2021</a:t>
+              <a:t>24/02/2022</a:t>
             </a:fld>
             <a:endParaRPr lang="es-MX" dirty="0"/>
           </a:p>
@@ -3377,7 +3377,7 @@
           <a:p>
             <a:fld id="{B3F3E716-CACC-4490-AD07-F24B6A68DE47}" type="datetimeFigureOut">
               <a:rPr lang="es-MX" smtClean="0"/>
-              <a:t>20/08/2021</a:t>
+              <a:t>24/02/2022</a:t>
             </a:fld>
             <a:endParaRPr lang="es-MX" dirty="0"/>
           </a:p>
@@ -3630,7 +3630,7 @@
           <a:p>
             <a:fld id="{B3F3E716-CACC-4490-AD07-F24B6A68DE47}" type="datetimeFigureOut">
               <a:rPr lang="es-MX" smtClean="0"/>
-              <a:t>20/08/2021</a:t>
+              <a:t>24/02/2022</a:t>
             </a:fld>
             <a:endParaRPr lang="es-MX" dirty="0"/>
           </a:p>
@@ -3843,7 +3843,7 @@
           <a:p>
             <a:fld id="{B3F3E716-CACC-4490-AD07-F24B6A68DE47}" type="datetimeFigureOut">
               <a:rPr lang="es-MX" smtClean="0"/>
-              <a:t>20/08/2021</a:t>
+              <a:t>24/02/2022</a:t>
             </a:fld>
             <a:endParaRPr lang="es-MX" dirty="0"/>
           </a:p>
@@ -5245,31 +5245,7 @@
                 <a:latin typeface="Arial" pitchFamily="34" charset="0"/>
                 <a:cs typeface="Arial" pitchFamily="34" charset="0"/>
               </a:rPr>
-              <a:t>de la función es una lista de instrucciones de </a:t>
-            </a:r>
-            <a:r>
-              <a:rPr lang="es-ES_tradnl" sz="2000" dirty="0" err="1">
-                <a:solidFill>
-                  <a:schemeClr val="bg2">
-                    <a:lumMod val="25000"/>
-                  </a:schemeClr>
-                </a:solidFill>
-                <a:latin typeface="Arial" pitchFamily="34" charset="0"/>
-                <a:cs typeface="Arial" pitchFamily="34" charset="0"/>
-              </a:rPr>
-              <a:t>Phyton</a:t>
-            </a:r>
-            <a:r>
-              <a:rPr lang="es-ES_tradnl" sz="2000" dirty="0">
-                <a:solidFill>
-                  <a:schemeClr val="bg2">
-                    <a:lumMod val="25000"/>
-                  </a:schemeClr>
-                </a:solidFill>
-                <a:latin typeface="Arial" pitchFamily="34" charset="0"/>
-                <a:cs typeface="Arial" pitchFamily="34" charset="0"/>
-              </a:rPr>
-              <a:t>. Esta lista de instrucciones define el proceso que la función debe llevar a cabo.  </a:t>
+              <a:t>de la función es una lista de instrucciones de Phyton. Esta lista de instrucciones define el proceso que la función debe llevar a cabo.  </a:t>
             </a:r>
           </a:p>
           <a:p>
@@ -7366,20 +7342,12 @@
             <a:p>
               <a:pPr defTabSz="762000"/>
               <a:r>
-                <a:rPr lang="es-ES_tradnl" sz="2400" b="1" dirty="0" err="1">
-                  <a:solidFill>
-                    <a:schemeClr val="bg1"/>
-                  </a:solidFill>
-                </a:rPr>
-                <a:t>def</a:t>
-              </a:r>
-              <a:r>
                 <a:rPr lang="es-ES_tradnl" sz="2400" b="1" dirty="0">
                   <a:solidFill>
                     <a:schemeClr val="bg1"/>
                   </a:solidFill>
                 </a:rPr>
-                <a:t> promedio ( a, b ):</a:t>
+                <a:t>def promedio ( a, b ):</a:t>
               </a:r>
             </a:p>
             <a:p>
@@ -7390,23 +7358,7 @@
                     <a:schemeClr val="bg1"/>
                   </a:solidFill>
                 </a:rPr>
-                <a:t>       </a:t>
-              </a:r>
-              <a:r>
-                <a:rPr lang="es-ES_tradnl" sz="2400" b="1" dirty="0" err="1">
-                  <a:solidFill>
-                    <a:schemeClr val="bg1"/>
-                  </a:solidFill>
-                </a:rPr>
-                <a:t>return</a:t>
-              </a:r>
-              <a:r>
-                <a:rPr lang="es-ES_tradnl" sz="2400" b="1" dirty="0">
-                  <a:solidFill>
-                    <a:schemeClr val="bg1"/>
-                  </a:solidFill>
-                </a:rPr>
-                <a:t> (a+b)/2</a:t>
+                <a:t>       return (a+b)/2</a:t>
               </a:r>
             </a:p>
           </p:txBody>
@@ -8180,7 +8132,9 @@
             <a:r>
               <a:rPr lang="es-ES_tradnl" sz="4400" b="1" dirty="0">
                 <a:solidFill>
-                  <a:srgbClr val="002060"/>
+                  <a:schemeClr val="accent4">
+                    <a:lumMod val="50000"/>
+                  </a:schemeClr>
                 </a:solidFill>
                 <a:effectLst>
                   <a:outerShdw blurRad="38100" dist="38100" dir="2700000" algn="tl">
@@ -8954,7 +8908,9 @@
             <a:r>
               <a:rPr lang="es-ES_tradnl" sz="4400" b="1" dirty="0">
                 <a:solidFill>
-                  <a:srgbClr val="002060"/>
+                  <a:schemeClr val="accent4">
+                    <a:lumMod val="50000"/>
+                  </a:schemeClr>
                 </a:solidFill>
                 <a:effectLst>
                   <a:outerShdw blurRad="38100" dist="38100" dir="2700000" algn="tl">
@@ -9155,16 +9111,10 @@
               <a:buNone/>
             </a:pPr>
             <a:r>
-              <a:rPr lang="es-ES_tradnl" sz="2400" b="1" dirty="0" err="1">
-                <a:cs typeface="Arial" pitchFamily="34" charset="0"/>
-              </a:rPr>
-              <a:t>def</a:t>
-            </a:r>
-            <a:r>
               <a:rPr lang="es-ES_tradnl" sz="2400" b="1" dirty="0">
                 <a:cs typeface="Arial" pitchFamily="34" charset="0"/>
               </a:rPr>
-              <a:t> </a:t>
+              <a:t>def </a:t>
             </a:r>
             <a:r>
               <a:rPr lang="es-ES_tradnl" sz="2400" b="1" dirty="0">
@@ -9952,7 +9902,7 @@
               <a:buNone/>
             </a:pPr>
             <a:r>
-              <a:rPr lang="es-ES_tradnl" sz="2400" b="1" dirty="0" err="1">
+              <a:rPr lang="es-ES_tradnl" sz="2400" b="1" dirty="0">
                 <a:solidFill>
                   <a:schemeClr val="tx1">
                     <a:lumMod val="95000"/>
@@ -9961,43 +9911,7 @@
                 </a:solidFill>
                 <a:cs typeface="Arial" pitchFamily="34" charset="0"/>
               </a:rPr>
-              <a:t>num</a:t>
-            </a:r>
-            <a:r>
-              <a:rPr lang="es-ES_tradnl" sz="2400" b="1" dirty="0">
-                <a:solidFill>
-                  <a:schemeClr val="tx1">
-                    <a:lumMod val="95000"/>
-                    <a:lumOff val="5000"/>
-                  </a:schemeClr>
-                </a:solidFill>
-                <a:cs typeface="Arial" pitchFamily="34" charset="0"/>
-              </a:rPr>
-              <a:t> = </a:t>
-            </a:r>
-            <a:r>
-              <a:rPr lang="es-ES_tradnl" sz="2400" b="1" dirty="0" err="1">
-                <a:solidFill>
-                  <a:schemeClr val="tx1">
-                    <a:lumMod val="95000"/>
-                    <a:lumOff val="5000"/>
-                  </a:schemeClr>
-                </a:solidFill>
-                <a:cs typeface="Arial" pitchFamily="34" charset="0"/>
-              </a:rPr>
-              <a:t>float</a:t>
-            </a:r>
-            <a:r>
-              <a:rPr lang="es-ES_tradnl" sz="2400" b="1" dirty="0">
-                <a:solidFill>
-                  <a:schemeClr val="tx1">
-                    <a:lumMod val="95000"/>
-                    <a:lumOff val="5000"/>
-                  </a:schemeClr>
-                </a:solidFill>
-                <a:cs typeface="Arial" pitchFamily="34" charset="0"/>
-              </a:rPr>
-              <a:t>(input(</a:t>
+              <a:t>num = float(input(</a:t>
             </a:r>
             <a:r>
               <a:rPr lang="es-MX" sz="2400" b="1" dirty="0">
@@ -10080,29 +9994,7 @@
                 </a:solidFill>
                 <a:cs typeface="Arial" pitchFamily="34" charset="0"/>
               </a:rPr>
-              <a:t>cuadrado(</a:t>
-            </a:r>
-            <a:r>
-              <a:rPr lang="es-ES_tradnl" sz="2400" b="1" dirty="0" err="1">
-                <a:solidFill>
-                  <a:schemeClr val="accent6">
-                    <a:lumMod val="75000"/>
-                  </a:schemeClr>
-                </a:solidFill>
-                <a:cs typeface="Arial" pitchFamily="34" charset="0"/>
-              </a:rPr>
-              <a:t>num</a:t>
-            </a:r>
-            <a:r>
-              <a:rPr lang="es-ES_tradnl" sz="2400" b="1" dirty="0">
-                <a:solidFill>
-                  <a:schemeClr val="accent6">
-                    <a:lumMod val="75000"/>
-                  </a:schemeClr>
-                </a:solidFill>
-                <a:cs typeface="Arial" pitchFamily="34" charset="0"/>
-              </a:rPr>
-              <a:t>)</a:t>
+              <a:t>cuadrado(num)</a:t>
             </a:r>
           </a:p>
           <a:p>
@@ -10116,7 +10008,7 @@
               <a:buNone/>
             </a:pPr>
             <a:r>
-              <a:rPr lang="es-ES_tradnl" sz="2400" b="1" dirty="0" err="1">
+              <a:rPr lang="es-ES_tradnl" sz="2400" b="1" dirty="0">
                 <a:solidFill>
                   <a:schemeClr val="tx1">
                     <a:lumMod val="95000"/>
@@ -10125,91 +10017,55 @@
                 </a:solidFill>
                 <a:cs typeface="Arial" pitchFamily="34" charset="0"/>
               </a:rPr>
-              <a:t>print</a:t>
-            </a:r>
-            <a:r>
-              <a:rPr lang="es-ES_tradnl" sz="2400" b="1" dirty="0">
+              <a:t>print(</a:t>
+            </a:r>
+            <a:r>
+              <a:rPr lang="es-MX" sz="2400" b="1" dirty="0">
                 <a:solidFill>
                   <a:schemeClr val="tx1">
                     <a:lumMod val="95000"/>
                     <a:lumOff val="5000"/>
                   </a:schemeClr>
                 </a:solidFill>
-                <a:cs typeface="Arial" pitchFamily="34" charset="0"/>
-              </a:rPr>
-              <a:t>(</a:t>
-            </a:r>
-            <a:r>
-              <a:rPr lang="es-MX" sz="2400" b="1" dirty="0">
+                <a:cs typeface="Arial" panose="020B0604020202020204" pitchFamily="34" charset="0"/>
+              </a:rPr>
+              <a:t>"%.2f </a:t>
+            </a:r>
+            <a:r>
+              <a:rPr lang="es-ES_tradnl" sz="2400" b="1" dirty="0">
                 <a:solidFill>
                   <a:schemeClr val="tx1">
                     <a:lumMod val="95000"/>
                     <a:lumOff val="5000"/>
                   </a:schemeClr>
                 </a:solidFill>
-                <a:cs typeface="Arial" panose="020B0604020202020204" pitchFamily="34" charset="0"/>
-              </a:rPr>
-              <a:t>"%.2f </a:t>
-            </a:r>
-            <a:r>
-              <a:rPr lang="es-ES_tradnl" sz="2400" b="1" dirty="0">
+                <a:cs typeface="Arial" pitchFamily="34" charset="0"/>
+              </a:rPr>
+              <a:t>elevado al cuadrado es %.2f</a:t>
+            </a:r>
+            <a:r>
+              <a:rPr lang="es-MX" sz="2400" b="1" dirty="0">
                 <a:solidFill>
                   <a:schemeClr val="tx1">
                     <a:lumMod val="95000"/>
                     <a:lumOff val="5000"/>
                   </a:schemeClr>
                 </a:solidFill>
-                <a:cs typeface="Arial" pitchFamily="34" charset="0"/>
-              </a:rPr>
-              <a:t>elevado al cuadrado es %.2f</a:t>
-            </a:r>
-            <a:r>
-              <a:rPr lang="es-MX" sz="2400" b="1" dirty="0">
+                <a:cs typeface="Arial" panose="020B0604020202020204" pitchFamily="34" charset="0"/>
+              </a:rPr>
+              <a:t> "</a:t>
+            </a:r>
+            <a:r>
+              <a:rPr lang="es-ES_tradnl" sz="2400" b="1" dirty="0">
                 <a:solidFill>
                   <a:schemeClr val="tx1">
                     <a:lumMod val="95000"/>
                     <a:lumOff val="5000"/>
                   </a:schemeClr>
                 </a:solidFill>
-                <a:cs typeface="Arial" panose="020B0604020202020204" pitchFamily="34" charset="0"/>
-              </a:rPr>
-              <a:t> "</a:t>
-            </a:r>
-            <a:r>
-              <a:rPr lang="es-ES_tradnl" sz="2400" b="1" dirty="0">
-                <a:solidFill>
-                  <a:schemeClr val="tx1">
-                    <a:lumMod val="95000"/>
-                    <a:lumOff val="5000"/>
-                  </a:schemeClr>
-                </a:solidFill>
                 <a:cs typeface="Arial" pitchFamily="34" charset="0"/>
               </a:rPr>
-              <a:t> % (</a:t>
-            </a:r>
-            <a:r>
-              <a:rPr lang="es-ES_tradnl" sz="2400" b="1" dirty="0" err="1">
-                <a:solidFill>
-                  <a:schemeClr val="tx1">
-                    <a:lumMod val="95000"/>
-                    <a:lumOff val="5000"/>
-                  </a:schemeClr>
-                </a:solidFill>
-                <a:cs typeface="Arial" pitchFamily="34" charset="0"/>
-              </a:rPr>
-              <a:t>num</a:t>
-            </a:r>
-            <a:r>
-              <a:rPr lang="es-ES_tradnl" sz="2400" b="1" dirty="0">
-                <a:solidFill>
-                  <a:schemeClr val="tx1">
-                    <a:lumMod val="95000"/>
-                    <a:lumOff val="5000"/>
-                  </a:schemeClr>
-                </a:solidFill>
-                <a:cs typeface="Arial" pitchFamily="34" charset="0"/>
-              </a:rPr>
-              <a:t>, resultado))</a:t>
+              <a:t> % (num, resultado))</a:t>
             </a:r>
           </a:p>
           <a:p>
@@ -10300,7 +10156,9 @@
             <a:r>
               <a:rPr lang="es-ES_tradnl" sz="4400" b="1" dirty="0">
                 <a:solidFill>
-                  <a:srgbClr val="002060"/>
+                  <a:schemeClr val="accent4">
+                    <a:lumMod val="50000"/>
+                  </a:schemeClr>
                 </a:solidFill>
                 <a:effectLst>
                   <a:outerShdw blurRad="38100" dist="38100" dir="2700000" algn="tl">
@@ -10501,7 +10359,7 @@
           </a:bodyPr>
           <a:lstStyle/>
           <a:p>
-            <a:endParaRPr/>
+            <a:endParaRPr dirty="0"/>
           </a:p>
         </p:txBody>
       </p:sp>
@@ -10532,7 +10390,7 @@
           </a:bodyPr>
           <a:lstStyle/>
           <a:p>
-            <a:endParaRPr/>
+            <a:endParaRPr dirty="0"/>
           </a:p>
         </p:txBody>
       </p:sp>
@@ -10563,7 +10421,7 @@
           </a:bodyPr>
           <a:lstStyle/>
           <a:p>
-            <a:endParaRPr/>
+            <a:endParaRPr dirty="0"/>
           </a:p>
         </p:txBody>
       </p:sp>
@@ -10623,7 +10481,7 @@
           </a:bodyPr>
           <a:lstStyle/>
           <a:p>
-            <a:endParaRPr/>
+            <a:endParaRPr dirty="0"/>
           </a:p>
         </p:txBody>
       </p:sp>
@@ -10735,7 +10593,7 @@
           </a:bodyPr>
           <a:lstStyle/>
           <a:p>
-            <a:endParaRPr/>
+            <a:endParaRPr dirty="0"/>
           </a:p>
         </p:txBody>
       </p:sp>
@@ -10934,7 +10792,7 @@
           </a:bodyPr>
           <a:lstStyle/>
           <a:p>
-            <a:endParaRPr/>
+            <a:endParaRPr dirty="0"/>
           </a:p>
         </p:txBody>
       </p:sp>
@@ -10978,7 +10836,7 @@
           </a:bodyPr>
           <a:lstStyle/>
           <a:p>
-            <a:endParaRPr/>
+            <a:endParaRPr dirty="0"/>
           </a:p>
         </p:txBody>
       </p:sp>
@@ -11065,7 +10923,7 @@
           </a:bodyPr>
           <a:lstStyle/>
           <a:p>
-            <a:endParaRPr/>
+            <a:endParaRPr dirty="0"/>
           </a:p>
         </p:txBody>
       </p:sp>
@@ -11112,7 +10970,7 @@
           </a:bodyPr>
           <a:lstStyle/>
           <a:p>
-            <a:endParaRPr/>
+            <a:endParaRPr dirty="0"/>
           </a:p>
         </p:txBody>
       </p:sp>
@@ -11246,7 +11104,7 @@
           </a:bodyPr>
           <a:lstStyle/>
           <a:p>
-            <a:endParaRPr/>
+            <a:endParaRPr dirty="0"/>
           </a:p>
         </p:txBody>
       </p:sp>
@@ -11293,7 +11151,7 @@
           </a:bodyPr>
           <a:lstStyle/>
           <a:p>
-            <a:endParaRPr/>
+            <a:endParaRPr dirty="0"/>
           </a:p>
         </p:txBody>
       </p:sp>
@@ -11358,7 +11216,7 @@
           </a:bodyPr>
           <a:lstStyle/>
           <a:p>
-            <a:endParaRPr/>
+            <a:endParaRPr dirty="0"/>
           </a:p>
         </p:txBody>
       </p:sp>
@@ -11402,7 +11260,7 @@
           </a:bodyPr>
           <a:lstStyle/>
           <a:p>
-            <a:endParaRPr/>
+            <a:endParaRPr dirty="0"/>
           </a:p>
         </p:txBody>
       </p:sp>
@@ -11460,7 +11318,7 @@
           </a:bodyPr>
           <a:lstStyle/>
           <a:p>
-            <a:endParaRPr/>
+            <a:endParaRPr dirty="0"/>
           </a:p>
         </p:txBody>
       </p:sp>
@@ -11513,7 +11371,7 @@
           </a:bodyPr>
           <a:lstStyle/>
           <a:p>
-            <a:endParaRPr>
+            <a:endParaRPr dirty="0">
               <a:solidFill>
                 <a:schemeClr val="tx1">
                   <a:lumMod val="95000"/>
@@ -11564,7 +11422,7 @@
           </a:bodyPr>
           <a:lstStyle/>
           <a:p>
-            <a:endParaRPr/>
+            <a:endParaRPr dirty="0"/>
           </a:p>
         </p:txBody>
       </p:sp>
@@ -11718,7 +11576,7 @@
           </a:bodyPr>
           <a:lstStyle/>
           <a:p>
-            <a:endParaRPr/>
+            <a:endParaRPr dirty="0"/>
           </a:p>
         </p:txBody>
       </p:sp>
@@ -11869,7 +11727,7 @@
           </a:bodyPr>
           <a:lstStyle/>
           <a:p>
-            <a:endParaRPr/>
+            <a:endParaRPr dirty="0"/>
           </a:p>
         </p:txBody>
       </p:sp>
@@ -11990,7 +11848,7 @@
           </a:bodyPr>
           <a:lstStyle/>
           <a:p>
-            <a:endParaRPr/>
+            <a:endParaRPr dirty="0"/>
           </a:p>
         </p:txBody>
       </p:sp>
@@ -12147,7 +12005,7 @@
           </a:bodyPr>
           <a:lstStyle/>
           <a:p>
-            <a:endParaRPr/>
+            <a:endParaRPr dirty="0"/>
           </a:p>
         </p:txBody>
       </p:sp>
@@ -12310,7 +12168,7 @@
           </a:bodyPr>
           <a:lstStyle/>
           <a:p>
-            <a:endParaRPr/>
+            <a:endParaRPr dirty="0"/>
           </a:p>
         </p:txBody>
       </p:sp>
@@ -12428,7 +12286,7 @@
           </a:bodyPr>
           <a:lstStyle/>
           <a:p>
-            <a:endParaRPr/>
+            <a:endParaRPr dirty="0"/>
           </a:p>
         </p:txBody>
       </p:sp>
@@ -12911,7 +12769,7 @@
               <a:defRPr/>
             </a:pPr>
             <a:r>
-              <a:rPr lang="es-MX" b="1">
+              <a:rPr lang="es-MX" b="1" dirty="0">
                 <a:solidFill>
                   <a:schemeClr val="accent4">
                     <a:lumMod val="50000"/>
@@ -12926,19 +12784,6 @@
               </a:rPr>
               <a:t>¿Qué es una función?</a:t>
             </a:r>
-            <a:endParaRPr lang="es-MX" b="1" dirty="0">
-              <a:solidFill>
-                <a:schemeClr val="accent4">
-                  <a:lumMod val="50000"/>
-                </a:schemeClr>
-              </a:solidFill>
-              <a:effectLst>
-                <a:outerShdw blurRad="38100" dist="38100" dir="2700000" algn="tl">
-                  <a:srgbClr val="C0C0C0"/>
-                </a:outerShdw>
-              </a:effectLst>
-              <a:latin typeface="Dom Casual" charset="0"/>
-            </a:endParaRPr>
           </a:p>
         </p:txBody>
       </p:sp>
@@ -13018,10 +12863,10 @@
       </p:sp>
       <p:pic>
         <p:nvPicPr>
-          <p:cNvPr id="4" name="Imagen 3">
+          <p:cNvPr id="5" name="Imagen 4">
             <a:extLst>
               <a:ext uri="{FF2B5EF4-FFF2-40B4-BE49-F238E27FC236}">
-                <a16:creationId xmlns:a16="http://schemas.microsoft.com/office/drawing/2014/main" id="{F37041DC-EE7B-4310-8005-6B44550B8B85}"/>
+                <a16:creationId xmlns:a16="http://schemas.microsoft.com/office/drawing/2014/main" id="{AD11E001-B8E2-445A-BF43-625BB10CDB43}"/>
               </a:ext>
             </a:extLst>
           </p:cNvPr>
@@ -13038,20 +12883,27 @@
         </p:blipFill>
         <p:spPr>
           <a:xfrm>
-            <a:off x="485286" y="1700808"/>
-            <a:ext cx="8280865" cy="2766829"/>
+            <a:off x="3851920" y="4653136"/>
+            <a:ext cx="4857750" cy="1114425"/>
           </a:xfrm>
           <a:prstGeom prst="rect">
             <a:avLst/>
           </a:prstGeom>
+          <a:effectLst>
+            <a:outerShdw blurRad="63500" sx="102000" sy="102000" algn="ctr" rotWithShape="0">
+              <a:prstClr val="black">
+                <a:alpha val="40000"/>
+              </a:prstClr>
+            </a:outerShdw>
+          </a:effectLst>
         </p:spPr>
       </p:pic>
       <p:pic>
         <p:nvPicPr>
-          <p:cNvPr id="5" name="Imagen 4">
+          <p:cNvPr id="3" name="Imagen 2">
             <a:extLst>
               <a:ext uri="{FF2B5EF4-FFF2-40B4-BE49-F238E27FC236}">
-                <a16:creationId xmlns:a16="http://schemas.microsoft.com/office/drawing/2014/main" id="{AD11E001-B8E2-445A-BF43-625BB10CDB43}"/>
+                <a16:creationId xmlns:a16="http://schemas.microsoft.com/office/drawing/2014/main" id="{23C6BE18-FC2D-4754-8DFF-048367A8023F}"/>
               </a:ext>
             </a:extLst>
           </p:cNvPr>
@@ -13068,19 +12920,12 @@
         </p:blipFill>
         <p:spPr>
           <a:xfrm>
-            <a:off x="3908401" y="4306180"/>
-            <a:ext cx="4857750" cy="1114425"/>
+            <a:off x="377849" y="1467390"/>
+            <a:ext cx="8591550" cy="2867025"/>
           </a:xfrm>
           <a:prstGeom prst="rect">
             <a:avLst/>
           </a:prstGeom>
-          <a:effectLst>
-            <a:outerShdw blurRad="63500" sx="102000" sy="102000" algn="ctr" rotWithShape="0">
-              <a:prstClr val="black">
-                <a:alpha val="40000"/>
-              </a:prstClr>
-            </a:outerShdw>
-          </a:effectLst>
         </p:spPr>
       </p:pic>
     </p:spTree>
@@ -13163,7 +13008,7 @@
                   </a:schemeClr>
                 </a:solidFill>
               </a:rPr>
-              <a:t>todosPositivos</a:t>
+              <a:t>todos_positivos</a:t>
             </a:r>
             <a:r>
               <a:rPr lang="es-MX" sz="2800" dirty="0">
@@ -13259,7 +13104,9 @@
             <a:r>
               <a:rPr lang="es-ES_tradnl" sz="4400" b="1" dirty="0">
                 <a:solidFill>
-                  <a:srgbClr val="002060"/>
+                  <a:schemeClr val="accent4">
+                    <a:lumMod val="50000"/>
+                  </a:schemeClr>
                 </a:solidFill>
                 <a:effectLst>
                   <a:outerShdw blurRad="38100" dist="38100" dir="2700000" algn="tl">
@@ -13272,7 +13119,9 @@
             </a:r>
             <a:endParaRPr lang="es-ES_tradnl" sz="2400" b="1" dirty="0">
               <a:solidFill>
-                <a:srgbClr val="002060"/>
+                <a:schemeClr val="accent4">
+                  <a:lumMod val="50000"/>
+                </a:schemeClr>
               </a:solidFill>
               <a:effectLst>
                 <a:outerShdw blurRad="38100" dist="38100" dir="2700000" algn="tl">
@@ -13539,7 +13388,7 @@
               </a:spcBef>
             </a:pPr>
             <a:r>
-              <a:rPr lang="es-ES_tradnl" sz="2400" b="1" dirty="0" err="1">
+              <a:rPr lang="es-ES_tradnl" sz="2400" b="1" dirty="0">
                 <a:solidFill>
                   <a:schemeClr val="bg2">
                     <a:lumMod val="25000"/>
@@ -13548,22 +13397,10 @@
                 <a:latin typeface="Arial" pitchFamily="34" charset="0"/>
                 <a:cs typeface="Arial" pitchFamily="34" charset="0"/>
               </a:rPr>
-              <a:t>def</a:t>
+              <a:t>def  </a:t>
             </a:r>
             <a:r>
               <a:rPr lang="es-ES_tradnl" sz="2400" b="1" dirty="0">
-                <a:solidFill>
-                  <a:schemeClr val="bg2">
-                    <a:lumMod val="25000"/>
-                  </a:schemeClr>
-                </a:solidFill>
-                <a:latin typeface="Arial" pitchFamily="34" charset="0"/>
-                <a:cs typeface="Arial" pitchFamily="34" charset="0"/>
-              </a:rPr>
-              <a:t>  </a:t>
-            </a:r>
-            <a:r>
-              <a:rPr lang="es-ES_tradnl" sz="2400" b="1" dirty="0" err="1">
                 <a:solidFill>
                   <a:schemeClr val="accent6">
                     <a:lumMod val="75000"/>
@@ -13572,19 +13409,7 @@
                 <a:latin typeface="Arial" pitchFamily="34" charset="0"/>
                 <a:cs typeface="Arial" pitchFamily="34" charset="0"/>
               </a:rPr>
-              <a:t>todosPositivos</a:t>
-            </a:r>
-            <a:r>
-              <a:rPr lang="es-ES_tradnl" sz="2400" b="1" dirty="0">
-                <a:solidFill>
-                  <a:schemeClr val="accent6">
-                    <a:lumMod val="75000"/>
-                  </a:schemeClr>
-                </a:solidFill>
-                <a:latin typeface="Arial" pitchFamily="34" charset="0"/>
-                <a:cs typeface="Arial" pitchFamily="34" charset="0"/>
-              </a:rPr>
-              <a:t> </a:t>
+              <a:t>todos_positivos </a:t>
             </a:r>
             <a:r>
               <a:rPr lang="es-ES_tradnl" sz="2400" b="1" dirty="0">
@@ -13618,31 +13443,7 @@
                 <a:latin typeface="Arial" pitchFamily="34" charset="0"/>
                 <a:cs typeface="Arial" pitchFamily="34" charset="0"/>
               </a:rPr>
-              <a:t>	     </a:t>
-            </a:r>
-            <a:r>
-              <a:rPr lang="es-ES_tradnl" sz="2400" b="1" dirty="0" err="1">
-                <a:solidFill>
-                  <a:schemeClr val="bg2">
-                    <a:lumMod val="25000"/>
-                  </a:schemeClr>
-                </a:solidFill>
-                <a:latin typeface="Arial" pitchFamily="34" charset="0"/>
-                <a:cs typeface="Arial" pitchFamily="34" charset="0"/>
-              </a:rPr>
-              <a:t>if</a:t>
-            </a:r>
-            <a:r>
-              <a:rPr lang="es-ES_tradnl" sz="2400" b="1" dirty="0">
-                <a:solidFill>
-                  <a:schemeClr val="bg2">
-                    <a:lumMod val="25000"/>
-                  </a:schemeClr>
-                </a:solidFill>
-                <a:latin typeface="Arial" pitchFamily="34" charset="0"/>
-                <a:cs typeface="Arial" pitchFamily="34" charset="0"/>
-              </a:rPr>
-              <a:t> (x &gt; </a:t>
+              <a:t>	     if (x &gt; </a:t>
             </a:r>
             <a:r>
               <a:rPr lang="es-ES_tradnl" sz="2400" b="1" dirty="0">
@@ -13730,31 +13531,7 @@
                 <a:latin typeface="Arial" pitchFamily="34" charset="0"/>
                 <a:cs typeface="Arial" pitchFamily="34" charset="0"/>
               </a:rPr>
-              <a:t>	         </a:t>
-            </a:r>
-            <a:r>
-              <a:rPr lang="es-ES_tradnl" sz="2400" b="1" dirty="0" err="1">
-                <a:solidFill>
-                  <a:schemeClr val="bg2">
-                    <a:lumMod val="25000"/>
-                  </a:schemeClr>
-                </a:solidFill>
-                <a:latin typeface="Arial" pitchFamily="34" charset="0"/>
-                <a:cs typeface="Arial" pitchFamily="34" charset="0"/>
-              </a:rPr>
-              <a:t>return</a:t>
-            </a:r>
-            <a:r>
-              <a:rPr lang="es-ES_tradnl" sz="2400" b="1" dirty="0">
-                <a:solidFill>
-                  <a:schemeClr val="bg2">
-                    <a:lumMod val="25000"/>
-                  </a:schemeClr>
-                </a:solidFill>
-                <a:latin typeface="Arial" pitchFamily="34" charset="0"/>
-                <a:cs typeface="Arial" pitchFamily="34" charset="0"/>
-              </a:rPr>
-              <a:t> </a:t>
+              <a:t>	         return </a:t>
             </a:r>
             <a:r>
               <a:rPr lang="es-ES_tradnl" sz="2400" b="1" dirty="0">
@@ -13795,31 +13572,7 @@
                 <a:latin typeface="Arial" pitchFamily="34" charset="0"/>
                 <a:cs typeface="Arial" pitchFamily="34" charset="0"/>
               </a:rPr>
-              <a:t>       </a:t>
-            </a:r>
-            <a:r>
-              <a:rPr lang="es-ES_tradnl" sz="2400" b="1" dirty="0" err="1">
-                <a:solidFill>
-                  <a:schemeClr val="bg2">
-                    <a:lumMod val="25000"/>
-                  </a:schemeClr>
-                </a:solidFill>
-                <a:latin typeface="Arial" pitchFamily="34" charset="0"/>
-                <a:cs typeface="Arial" pitchFamily="34" charset="0"/>
-              </a:rPr>
-              <a:t>else</a:t>
-            </a:r>
-            <a:r>
-              <a:rPr lang="es-ES_tradnl" sz="2400" b="1" dirty="0">
-                <a:solidFill>
-                  <a:schemeClr val="bg2">
-                    <a:lumMod val="25000"/>
-                  </a:schemeClr>
-                </a:solidFill>
-                <a:latin typeface="Arial" pitchFamily="34" charset="0"/>
-                <a:cs typeface="Arial" pitchFamily="34" charset="0"/>
-              </a:rPr>
-              <a:t>:</a:t>
+              <a:t>       else:</a:t>
             </a:r>
           </a:p>
           <a:p>
@@ -13841,31 +13594,7 @@
                 <a:latin typeface="Arial" pitchFamily="34" charset="0"/>
                 <a:cs typeface="Arial" pitchFamily="34" charset="0"/>
               </a:rPr>
-              <a:t>           </a:t>
-            </a:r>
-            <a:r>
-              <a:rPr lang="es-ES_tradnl" sz="2400" b="1" dirty="0" err="1">
-                <a:solidFill>
-                  <a:schemeClr val="bg2">
-                    <a:lumMod val="25000"/>
-                  </a:schemeClr>
-                </a:solidFill>
-                <a:latin typeface="Arial" pitchFamily="34" charset="0"/>
-                <a:cs typeface="Arial" pitchFamily="34" charset="0"/>
-              </a:rPr>
-              <a:t>return</a:t>
-            </a:r>
-            <a:r>
-              <a:rPr lang="es-ES_tradnl" sz="2400" b="1" dirty="0">
-                <a:solidFill>
-                  <a:schemeClr val="bg2">
-                    <a:lumMod val="25000"/>
-                  </a:schemeClr>
-                </a:solidFill>
-                <a:latin typeface="Arial" pitchFamily="34" charset="0"/>
-                <a:cs typeface="Arial" pitchFamily="34" charset="0"/>
-              </a:rPr>
-              <a:t> </a:t>
+              <a:t>           return </a:t>
             </a:r>
             <a:r>
               <a:rPr lang="es-ES_tradnl" sz="2400" b="1" dirty="0">
@@ -13955,7 +13684,9 @@
             <a:r>
               <a:rPr lang="es-ES_tradnl" sz="4400" b="1" dirty="0">
                 <a:solidFill>
-                  <a:srgbClr val="002060"/>
+                  <a:schemeClr val="accent4">
+                    <a:lumMod val="50000"/>
+                  </a:schemeClr>
                 </a:solidFill>
                 <a:effectLst>
                   <a:outerShdw blurRad="38100" dist="38100" dir="2700000" algn="tl">
@@ -13964,33 +13695,8 @@
                 </a:effectLst>
                 <a:latin typeface="Dom Casual" charset="0"/>
               </a:rPr>
-              <a:t>Función </a:t>
-            </a:r>
-            <a:r>
-              <a:rPr lang="es-ES_tradnl" sz="4400" b="1" dirty="0" err="1">
-                <a:solidFill>
-                  <a:srgbClr val="002060"/>
-                </a:solidFill>
-                <a:effectLst>
-                  <a:outerShdw blurRad="38100" dist="38100" dir="2700000" algn="tl">
-                    <a:srgbClr val="C0C0C0"/>
-                  </a:outerShdw>
-                </a:effectLst>
-                <a:latin typeface="Dom Casual" charset="0"/>
-              </a:rPr>
-              <a:t>todosPositivos</a:t>
-            </a:r>
-            <a:endParaRPr lang="es-ES_tradnl" sz="4400" b="1" dirty="0">
-              <a:solidFill>
-                <a:srgbClr val="002060"/>
-              </a:solidFill>
-              <a:effectLst>
-                <a:outerShdw blurRad="38100" dist="38100" dir="2700000" algn="tl">
-                  <a:srgbClr val="C0C0C0"/>
-                </a:outerShdw>
-              </a:effectLst>
-              <a:latin typeface="Dom Casual" charset="0"/>
-            </a:endParaRPr>
+              <a:t>Función todos_positivos</a:t>
+            </a:r>
           </a:p>
         </p:txBody>
       </p:sp>
@@ -14125,7 +13831,7 @@
               </a:spcBef>
             </a:pPr>
             <a:r>
-              <a:rPr lang="es-ES_tradnl" b="1" dirty="0" err="1">
+              <a:rPr lang="es-ES_tradnl" b="1" dirty="0">
                 <a:solidFill>
                   <a:schemeClr val="bg2">
                     <a:lumMod val="25000"/>
@@ -14134,22 +13840,10 @@
                 <a:latin typeface="Arial" pitchFamily="34" charset="0"/>
                 <a:cs typeface="Arial" pitchFamily="34" charset="0"/>
               </a:rPr>
-              <a:t>def</a:t>
+              <a:t>def </a:t>
             </a:r>
             <a:r>
               <a:rPr lang="es-ES_tradnl" b="1" dirty="0">
-                <a:solidFill>
-                  <a:schemeClr val="bg2">
-                    <a:lumMod val="25000"/>
-                  </a:schemeClr>
-                </a:solidFill>
-                <a:latin typeface="Arial" pitchFamily="34" charset="0"/>
-                <a:cs typeface="Arial" pitchFamily="34" charset="0"/>
-              </a:rPr>
-              <a:t> </a:t>
-            </a:r>
-            <a:r>
-              <a:rPr lang="es-ES_tradnl" b="1" dirty="0" err="1">
                 <a:solidFill>
                   <a:schemeClr val="accent6">
                     <a:lumMod val="75000"/>
@@ -14158,19 +13852,7 @@
                 <a:latin typeface="Arial" pitchFamily="34" charset="0"/>
                 <a:cs typeface="Arial" pitchFamily="34" charset="0"/>
               </a:rPr>
-              <a:t>main</a:t>
-            </a:r>
-            <a:r>
-              <a:rPr lang="es-ES_tradnl" b="1" dirty="0">
-                <a:solidFill>
-                  <a:schemeClr val="accent6">
-                    <a:lumMod val="75000"/>
-                  </a:schemeClr>
-                </a:solidFill>
-                <a:latin typeface="Arial" pitchFamily="34" charset="0"/>
-                <a:cs typeface="Arial" pitchFamily="34" charset="0"/>
-              </a:rPr>
-              <a:t> </a:t>
+              <a:t>main </a:t>
             </a:r>
             <a:r>
               <a:rPr lang="es-ES_tradnl" b="1" dirty="0">
@@ -14205,31 +13887,7 @@
                 <a:latin typeface="Arial" pitchFamily="34" charset="0"/>
                 <a:cs typeface="Arial" pitchFamily="34" charset="0"/>
               </a:rPr>
-              <a:t>n1 = </a:t>
-            </a:r>
-            <a:r>
-              <a:rPr lang="es-MX" dirty="0" err="1">
-                <a:solidFill>
-                  <a:schemeClr val="bg2">
-                    <a:lumMod val="25000"/>
-                  </a:schemeClr>
-                </a:solidFill>
-                <a:latin typeface="Arial" pitchFamily="34" charset="0"/>
-                <a:cs typeface="Arial" pitchFamily="34" charset="0"/>
-              </a:rPr>
-              <a:t>int</a:t>
-            </a:r>
-            <a:r>
-              <a:rPr lang="es-MX" dirty="0">
-                <a:solidFill>
-                  <a:schemeClr val="bg2">
-                    <a:lumMod val="25000"/>
-                  </a:schemeClr>
-                </a:solidFill>
-                <a:latin typeface="Arial" pitchFamily="34" charset="0"/>
-                <a:cs typeface="Arial" pitchFamily="34" charset="0"/>
-              </a:rPr>
-              <a:t>(input("Introduce un valor: "))</a:t>
+              <a:t>n1 = int(input("Introduce un valor: "))</a:t>
             </a:r>
           </a:p>
           <a:p>
@@ -14252,31 +13910,7 @@
                 <a:latin typeface="Arial" pitchFamily="34" charset="0"/>
                 <a:cs typeface="Arial" pitchFamily="34" charset="0"/>
               </a:rPr>
-              <a:t>n2 = </a:t>
-            </a:r>
-            <a:r>
-              <a:rPr lang="es-MX" dirty="0" err="1">
-                <a:solidFill>
-                  <a:schemeClr val="bg2">
-                    <a:lumMod val="25000"/>
-                  </a:schemeClr>
-                </a:solidFill>
-                <a:latin typeface="Arial" pitchFamily="34" charset="0"/>
-                <a:cs typeface="Arial" pitchFamily="34" charset="0"/>
-              </a:rPr>
-              <a:t>int</a:t>
-            </a:r>
-            <a:r>
-              <a:rPr lang="es-MX" dirty="0">
-                <a:solidFill>
-                  <a:schemeClr val="bg2">
-                    <a:lumMod val="25000"/>
-                  </a:schemeClr>
-                </a:solidFill>
-                <a:latin typeface="Arial" pitchFamily="34" charset="0"/>
-                <a:cs typeface="Arial" pitchFamily="34" charset="0"/>
-              </a:rPr>
-              <a:t>(input("Introduce un valor: "))</a:t>
+              <a:t>n2 = int(input("Introduce un valor: "))</a:t>
             </a:r>
           </a:p>
           <a:p>
@@ -14299,31 +13933,7 @@
                 <a:latin typeface="Arial" pitchFamily="34" charset="0"/>
                 <a:cs typeface="Arial" pitchFamily="34" charset="0"/>
               </a:rPr>
-              <a:t>n3 = </a:t>
-            </a:r>
-            <a:r>
-              <a:rPr lang="es-MX" dirty="0" err="1">
-                <a:solidFill>
-                  <a:schemeClr val="bg2">
-                    <a:lumMod val="25000"/>
-                  </a:schemeClr>
-                </a:solidFill>
-                <a:latin typeface="Arial" pitchFamily="34" charset="0"/>
-                <a:cs typeface="Arial" pitchFamily="34" charset="0"/>
-              </a:rPr>
-              <a:t>int</a:t>
-            </a:r>
-            <a:r>
-              <a:rPr lang="es-MX" dirty="0">
-                <a:solidFill>
-                  <a:schemeClr val="bg2">
-                    <a:lumMod val="25000"/>
-                  </a:schemeClr>
-                </a:solidFill>
-                <a:latin typeface="Arial" pitchFamily="34" charset="0"/>
-                <a:cs typeface="Arial" pitchFamily="34" charset="0"/>
-              </a:rPr>
-              <a:t>(input("Introduce un valor: "))</a:t>
+              <a:t>n3 = int(input("Introduce un valor: "))</a:t>
             </a:r>
           </a:p>
           <a:p>
@@ -14349,7 +13959,7 @@
               <a:t>res = </a:t>
             </a:r>
             <a:r>
-              <a:rPr lang="es-MX" b="1" dirty="0" err="1">
+              <a:rPr lang="es-MX" b="1" dirty="0">
                 <a:solidFill>
                   <a:schemeClr val="accent6">
                     <a:lumMod val="75000"/>
@@ -14358,7 +13968,7 @@
                 <a:latin typeface="Arial" pitchFamily="34" charset="0"/>
                 <a:cs typeface="Arial" pitchFamily="34" charset="0"/>
               </a:rPr>
-              <a:t>todosPositivos</a:t>
+              <a:t>todos_positivos</a:t>
             </a:r>
             <a:r>
               <a:rPr lang="es-MX" dirty="0">
@@ -14384,7 +13994,7 @@
               <a:buSzPct val="80000"/>
             </a:pPr>
             <a:r>
-              <a:rPr lang="es-MX" dirty="0" err="1">
+              <a:rPr lang="es-MX" dirty="0">
                 <a:solidFill>
                   <a:schemeClr val="bg2">
                     <a:lumMod val="25000"/>
@@ -14393,19 +14003,7 @@
                 <a:latin typeface="Arial" pitchFamily="34" charset="0"/>
                 <a:cs typeface="Arial" pitchFamily="34" charset="0"/>
               </a:rPr>
-              <a:t>if</a:t>
-            </a:r>
-            <a:r>
-              <a:rPr lang="es-MX" dirty="0">
-                <a:solidFill>
-                  <a:schemeClr val="bg2">
-                    <a:lumMod val="25000"/>
-                  </a:schemeClr>
-                </a:solidFill>
-                <a:latin typeface="Arial" pitchFamily="34" charset="0"/>
-                <a:cs typeface="Arial" pitchFamily="34" charset="0"/>
-              </a:rPr>
-              <a:t> (res == 1):</a:t>
+              <a:t>if (res == 1):</a:t>
             </a:r>
           </a:p>
           <a:p>
@@ -14428,31 +14026,7 @@
                 <a:latin typeface="Arial" pitchFamily="34" charset="0"/>
                 <a:cs typeface="Arial" pitchFamily="34" charset="0"/>
               </a:rPr>
-              <a:t>    </a:t>
-            </a:r>
-            <a:r>
-              <a:rPr lang="es-MX" dirty="0" err="1">
-                <a:solidFill>
-                  <a:schemeClr val="bg2">
-                    <a:lumMod val="25000"/>
-                  </a:schemeClr>
-                </a:solidFill>
-                <a:latin typeface="Arial" pitchFamily="34" charset="0"/>
-                <a:cs typeface="Arial" pitchFamily="34" charset="0"/>
-              </a:rPr>
-              <a:t>print</a:t>
-            </a:r>
-            <a:r>
-              <a:rPr lang="es-MX" dirty="0">
-                <a:solidFill>
-                  <a:schemeClr val="bg2">
-                    <a:lumMod val="25000"/>
-                  </a:schemeClr>
-                </a:solidFill>
-                <a:latin typeface="Arial" pitchFamily="34" charset="0"/>
-                <a:cs typeface="Arial" pitchFamily="34" charset="0"/>
-              </a:rPr>
-              <a:t>("Los 3 valores son positivos")</a:t>
+              <a:t>    print("Los 3 valores son positivos")</a:t>
             </a:r>
           </a:p>
           <a:p>
@@ -14466,7 +14040,7 @@
               <a:buSzPct val="80000"/>
             </a:pPr>
             <a:r>
-              <a:rPr lang="es-MX" dirty="0" err="1">
+              <a:rPr lang="es-MX" dirty="0">
                 <a:solidFill>
                   <a:schemeClr val="bg2">
                     <a:lumMod val="25000"/>
@@ -14475,19 +14049,7 @@
                 <a:latin typeface="Arial" pitchFamily="34" charset="0"/>
                 <a:cs typeface="Arial" pitchFamily="34" charset="0"/>
               </a:rPr>
-              <a:t>else</a:t>
-            </a:r>
-            <a:r>
-              <a:rPr lang="es-MX" dirty="0">
-                <a:solidFill>
-                  <a:schemeClr val="bg2">
-                    <a:lumMod val="25000"/>
-                  </a:schemeClr>
-                </a:solidFill>
-                <a:latin typeface="Arial" pitchFamily="34" charset="0"/>
-                <a:cs typeface="Arial" pitchFamily="34" charset="0"/>
-              </a:rPr>
-              <a:t>:</a:t>
+              <a:t>else:</a:t>
             </a:r>
           </a:p>
           <a:p>
@@ -14510,31 +14072,7 @@
                 <a:latin typeface="Arial" pitchFamily="34" charset="0"/>
                 <a:cs typeface="Arial" pitchFamily="34" charset="0"/>
               </a:rPr>
-              <a:t>    </a:t>
-            </a:r>
-            <a:r>
-              <a:rPr lang="es-MX" dirty="0" err="1">
-                <a:solidFill>
-                  <a:schemeClr val="bg2">
-                    <a:lumMod val="25000"/>
-                  </a:schemeClr>
-                </a:solidFill>
-                <a:latin typeface="Arial" pitchFamily="34" charset="0"/>
-                <a:cs typeface="Arial" pitchFamily="34" charset="0"/>
-              </a:rPr>
-              <a:t>print</a:t>
-            </a:r>
-            <a:r>
-              <a:rPr lang="es-MX" dirty="0">
-                <a:solidFill>
-                  <a:schemeClr val="bg2">
-                    <a:lumMod val="25000"/>
-                  </a:schemeClr>
-                </a:solidFill>
-                <a:latin typeface="Arial" pitchFamily="34" charset="0"/>
-                <a:cs typeface="Arial" pitchFamily="34" charset="0"/>
-              </a:rPr>
-              <a:t>("No todos son positivos")</a:t>
+              <a:t>    print("No todos son positivos")</a:t>
             </a:r>
           </a:p>
           <a:p>
@@ -14568,7 +14106,7 @@
               <a:buSzPct val="80000"/>
             </a:pPr>
             <a:r>
-              <a:rPr lang="es-MX" b="1" dirty="0" err="1">
+              <a:rPr lang="es-MX" b="1" dirty="0">
                 <a:solidFill>
                   <a:schemeClr val="accent6">
                     <a:lumMod val="75000"/>
@@ -14577,19 +14115,7 @@
                 <a:latin typeface="Arial" pitchFamily="34" charset="0"/>
                 <a:cs typeface="Arial" pitchFamily="34" charset="0"/>
               </a:rPr>
-              <a:t>main</a:t>
-            </a:r>
-            <a:r>
-              <a:rPr lang="es-MX" b="1" dirty="0">
-                <a:solidFill>
-                  <a:schemeClr val="accent6">
-                    <a:lumMod val="75000"/>
-                  </a:schemeClr>
-                </a:solidFill>
-                <a:latin typeface="Arial" pitchFamily="34" charset="0"/>
-                <a:cs typeface="Arial" pitchFamily="34" charset="0"/>
-              </a:rPr>
-              <a:t>()</a:t>
+              <a:t>main()</a:t>
             </a:r>
             <a:endParaRPr lang="es-ES_tradnl" sz="2400" b="1" dirty="0">
               <a:solidFill>
@@ -14678,33 +14204,8 @@
                 </a:effectLst>
                 <a:latin typeface="Dom Casual" charset="0"/>
               </a:rPr>
-              <a:t>Función </a:t>
-            </a:r>
-            <a:r>
-              <a:rPr lang="es-ES_tradnl" sz="4400" b="1" dirty="0" err="1">
-                <a:solidFill>
-                  <a:srgbClr val="002060"/>
-                </a:solidFill>
-                <a:effectLst>
-                  <a:outerShdw blurRad="38100" dist="38100" dir="2700000" algn="tl">
-                    <a:srgbClr val="C0C0C0"/>
-                  </a:outerShdw>
-                </a:effectLst>
-                <a:latin typeface="Dom Casual" charset="0"/>
-              </a:rPr>
-              <a:t>main</a:t>
-            </a:r>
-            <a:endParaRPr lang="es-ES_tradnl" sz="4400" b="1" dirty="0">
-              <a:solidFill>
-                <a:srgbClr val="002060"/>
-              </a:solidFill>
-              <a:effectLst>
-                <a:outerShdw blurRad="38100" dist="38100" dir="2700000" algn="tl">
-                  <a:srgbClr val="C0C0C0"/>
-                </a:outerShdw>
-              </a:effectLst>
-              <a:latin typeface="Dom Casual" charset="0"/>
-            </a:endParaRPr>
+              <a:t>Función main</a:t>
+            </a:r>
           </a:p>
         </p:txBody>
       </p:sp>
@@ -14838,7 +14339,7 @@
           </a:bodyPr>
           <a:lstStyle/>
           <a:p>
-            <a:endParaRPr/>
+            <a:endParaRPr dirty="0"/>
           </a:p>
         </p:txBody>
       </p:sp>
@@ -14869,7 +14370,7 @@
           </a:bodyPr>
           <a:lstStyle/>
           <a:p>
-            <a:endParaRPr/>
+            <a:endParaRPr dirty="0"/>
           </a:p>
         </p:txBody>
       </p:sp>
@@ -14928,7 +14429,7 @@
           </a:bodyPr>
           <a:lstStyle/>
           <a:p>
-            <a:endParaRPr/>
+            <a:endParaRPr dirty="0"/>
           </a:p>
         </p:txBody>
       </p:sp>
@@ -14986,7 +14487,7 @@
           </a:bodyPr>
           <a:lstStyle/>
           <a:p>
-            <a:endParaRPr/>
+            <a:endParaRPr dirty="0"/>
           </a:p>
         </p:txBody>
       </p:sp>
@@ -15039,7 +14540,7 @@
           </a:bodyPr>
           <a:lstStyle/>
           <a:p>
-            <a:endParaRPr/>
+            <a:endParaRPr dirty="0"/>
           </a:p>
         </p:txBody>
       </p:sp>
@@ -15083,7 +14584,7 @@
           </a:bodyPr>
           <a:lstStyle/>
           <a:p>
-            <a:endParaRPr/>
+            <a:endParaRPr dirty="0"/>
           </a:p>
         </p:txBody>
       </p:sp>
@@ -15141,7 +14642,7 @@
           </a:bodyPr>
           <a:lstStyle/>
           <a:p>
-            <a:endParaRPr/>
+            <a:endParaRPr dirty="0"/>
           </a:p>
         </p:txBody>
       </p:sp>
@@ -15188,7 +14689,7 @@
           </a:bodyPr>
           <a:lstStyle/>
           <a:p>
-            <a:endParaRPr/>
+            <a:endParaRPr dirty="0"/>
           </a:p>
         </p:txBody>
       </p:sp>
@@ -15235,7 +14736,7 @@
           </a:bodyPr>
           <a:lstStyle/>
           <a:p>
-            <a:endParaRPr/>
+            <a:endParaRPr dirty="0"/>
           </a:p>
         </p:txBody>
       </p:sp>
@@ -15293,7 +14794,7 @@
           </a:bodyPr>
           <a:lstStyle/>
           <a:p>
-            <a:endParaRPr/>
+            <a:endParaRPr dirty="0"/>
           </a:p>
         </p:txBody>
       </p:sp>
@@ -15351,7 +14852,7 @@
           </a:bodyPr>
           <a:lstStyle/>
           <a:p>
-            <a:endParaRPr/>
+            <a:endParaRPr dirty="0"/>
           </a:p>
         </p:txBody>
       </p:sp>
@@ -15411,7 +14912,7 @@
           </a:bodyPr>
           <a:lstStyle/>
           <a:p>
-            <a:endParaRPr/>
+            <a:endParaRPr dirty="0"/>
           </a:p>
         </p:txBody>
       </p:sp>
@@ -15442,7 +14943,7 @@
           </a:bodyPr>
           <a:lstStyle/>
           <a:p>
-            <a:endParaRPr/>
+            <a:endParaRPr dirty="0"/>
           </a:p>
         </p:txBody>
       </p:sp>
@@ -15979,7 +15480,7 @@
           </a:bodyPr>
           <a:lstStyle/>
           <a:p>
-            <a:endParaRPr/>
+            <a:endParaRPr dirty="0"/>
           </a:p>
         </p:txBody>
       </p:sp>
@@ -16130,7 +15631,7 @@
               </a:spcBef>
             </a:pPr>
             <a:r>
-              <a:rPr lang="es-ES" sz="2400" b="1" dirty="0" err="1">
+              <a:rPr lang="es-ES" sz="2400" b="1" dirty="0">
                 <a:solidFill>
                   <a:schemeClr val="accent6">
                     <a:lumMod val="75000"/>
@@ -16138,18 +15639,7 @@
                 </a:solidFill>
                 <a:cs typeface="Arial" pitchFamily="34" charset="0"/>
               </a:rPr>
-              <a:t>Modularización</a:t>
-            </a:r>
-            <a:r>
-              <a:rPr lang="es-ES" sz="2400" b="1" dirty="0">
-                <a:solidFill>
-                  <a:schemeClr val="accent6">
-                    <a:lumMod val="75000"/>
-                  </a:schemeClr>
-                </a:solidFill>
-                <a:cs typeface="Arial" pitchFamily="34" charset="0"/>
-              </a:rPr>
-              <a:t>:</a:t>
+              <a:t>Modularización:</a:t>
             </a:r>
             <a:r>
               <a:rPr lang="es-ES" sz="2400" dirty="0">
@@ -16231,7 +15721,7 @@
               <a:defRPr/>
             </a:pPr>
             <a:r>
-              <a:rPr lang="es-MX" b="1">
+              <a:rPr lang="es-MX" b="1" dirty="0">
                 <a:solidFill>
                   <a:schemeClr val="accent4">
                     <a:lumMod val="50000"/>
@@ -16246,19 +15736,6 @@
               </a:rPr>
               <a:t>Funciones</a:t>
             </a:r>
-            <a:endParaRPr lang="es-MX" b="1" dirty="0">
-              <a:solidFill>
-                <a:schemeClr val="accent4">
-                  <a:lumMod val="50000"/>
-                </a:schemeClr>
-              </a:solidFill>
-              <a:effectLst>
-                <a:outerShdw blurRad="38100" dist="38100" dir="2700000" algn="tl">
-                  <a:srgbClr val="C0C0C0"/>
-                </a:outerShdw>
-              </a:effectLst>
-              <a:latin typeface="Dom Casual" charset="0"/>
-            </a:endParaRPr>
           </a:p>
         </p:txBody>
       </p:sp>
@@ -16355,7 +15832,7 @@
           </a:bodyPr>
           <a:lstStyle/>
           <a:p>
-            <a:endParaRPr/>
+            <a:endParaRPr dirty="0"/>
           </a:p>
         </p:txBody>
       </p:sp>
@@ -16386,7 +15863,7 @@
           </a:bodyPr>
           <a:lstStyle/>
           <a:p>
-            <a:endParaRPr/>
+            <a:endParaRPr dirty="0"/>
           </a:p>
         </p:txBody>
       </p:sp>
@@ -16417,7 +15894,7 @@
           </a:bodyPr>
           <a:lstStyle/>
           <a:p>
-            <a:endParaRPr/>
+            <a:endParaRPr dirty="0"/>
           </a:p>
         </p:txBody>
       </p:sp>
@@ -16477,7 +15954,7 @@
           </a:bodyPr>
           <a:lstStyle/>
           <a:p>
-            <a:endParaRPr/>
+            <a:endParaRPr dirty="0"/>
           </a:p>
         </p:txBody>
       </p:sp>
@@ -16589,7 +16066,7 @@
           </a:bodyPr>
           <a:lstStyle/>
           <a:p>
-            <a:endParaRPr/>
+            <a:endParaRPr dirty="0"/>
           </a:p>
         </p:txBody>
       </p:sp>
@@ -16788,7 +16265,7 @@
           </a:bodyPr>
           <a:lstStyle/>
           <a:p>
-            <a:endParaRPr/>
+            <a:endParaRPr dirty="0"/>
           </a:p>
         </p:txBody>
       </p:sp>
@@ -16832,7 +16309,7 @@
           </a:bodyPr>
           <a:lstStyle/>
           <a:p>
-            <a:endParaRPr/>
+            <a:endParaRPr dirty="0"/>
           </a:p>
         </p:txBody>
       </p:sp>
@@ -16919,7 +16396,7 @@
           </a:bodyPr>
           <a:lstStyle/>
           <a:p>
-            <a:endParaRPr/>
+            <a:endParaRPr dirty="0"/>
           </a:p>
         </p:txBody>
       </p:sp>
@@ -16966,7 +16443,7 @@
           </a:bodyPr>
           <a:lstStyle/>
           <a:p>
-            <a:endParaRPr/>
+            <a:endParaRPr dirty="0"/>
           </a:p>
         </p:txBody>
       </p:sp>
@@ -17100,7 +16577,7 @@
           </a:bodyPr>
           <a:lstStyle/>
           <a:p>
-            <a:endParaRPr/>
+            <a:endParaRPr dirty="0"/>
           </a:p>
         </p:txBody>
       </p:sp>
@@ -17147,7 +16624,7 @@
           </a:bodyPr>
           <a:lstStyle/>
           <a:p>
-            <a:endParaRPr/>
+            <a:endParaRPr dirty="0"/>
           </a:p>
         </p:txBody>
       </p:sp>
@@ -17212,7 +16689,7 @@
           </a:bodyPr>
           <a:lstStyle/>
           <a:p>
-            <a:endParaRPr/>
+            <a:endParaRPr dirty="0"/>
           </a:p>
         </p:txBody>
       </p:sp>
@@ -17256,7 +16733,7 @@
           </a:bodyPr>
           <a:lstStyle/>
           <a:p>
-            <a:endParaRPr/>
+            <a:endParaRPr dirty="0"/>
           </a:p>
         </p:txBody>
       </p:sp>
@@ -17314,7 +16791,7 @@
           </a:bodyPr>
           <a:lstStyle/>
           <a:p>
-            <a:endParaRPr/>
+            <a:endParaRPr dirty="0"/>
           </a:p>
         </p:txBody>
       </p:sp>
@@ -17367,7 +16844,7 @@
           </a:bodyPr>
           <a:lstStyle/>
           <a:p>
-            <a:endParaRPr>
+            <a:endParaRPr dirty="0">
               <a:solidFill>
                 <a:schemeClr val="tx1">
                   <a:lumMod val="95000"/>
@@ -17418,7 +16895,7 @@
           </a:bodyPr>
           <a:lstStyle/>
           <a:p>
-            <a:endParaRPr/>
+            <a:endParaRPr dirty="0"/>
           </a:p>
         </p:txBody>
       </p:sp>
@@ -17572,7 +17049,7 @@
           </a:bodyPr>
           <a:lstStyle/>
           <a:p>
-            <a:endParaRPr/>
+            <a:endParaRPr dirty="0"/>
           </a:p>
         </p:txBody>
       </p:sp>
@@ -17723,7 +17200,7 @@
           </a:bodyPr>
           <a:lstStyle/>
           <a:p>
-            <a:endParaRPr/>
+            <a:endParaRPr dirty="0"/>
           </a:p>
         </p:txBody>
       </p:sp>
@@ -17844,7 +17321,7 @@
           </a:bodyPr>
           <a:lstStyle/>
           <a:p>
-            <a:endParaRPr/>
+            <a:endParaRPr dirty="0"/>
           </a:p>
         </p:txBody>
       </p:sp>
@@ -18001,7 +17478,7 @@
           </a:bodyPr>
           <a:lstStyle/>
           <a:p>
-            <a:endParaRPr/>
+            <a:endParaRPr dirty="0"/>
           </a:p>
         </p:txBody>
       </p:sp>
@@ -18164,7 +17641,7 @@
           </a:bodyPr>
           <a:lstStyle/>
           <a:p>
-            <a:endParaRPr/>
+            <a:endParaRPr dirty="0"/>
           </a:p>
         </p:txBody>
       </p:sp>
@@ -18282,7 +17759,7 @@
           </a:bodyPr>
           <a:lstStyle/>
           <a:p>
-            <a:endParaRPr/>
+            <a:endParaRPr dirty="0"/>
           </a:p>
         </p:txBody>
       </p:sp>
@@ -18358,7 +17835,7 @@
               </a:rPr>
               <a:t>1</a:t>
             </a:r>
-            <a:endParaRPr sz="4800">
+            <a:endParaRPr sz="4800" dirty="0">
               <a:latin typeface="Calibri"/>
               <a:cs typeface="Calibri"/>
             </a:endParaRPr>
@@ -20036,24 +19513,14 @@
               </a:lnSpc>
             </a:pPr>
             <a:r>
-              <a:rPr lang="es-ES_tradnl" sz="2400" b="1" dirty="0" err="1">
+              <a:rPr lang="es-ES_tradnl" sz="2400" b="1" dirty="0">
                 <a:solidFill>
                   <a:schemeClr val="bg1"/>
                 </a:solidFill>
                 <a:latin typeface="Arial" pitchFamily="34" charset="0"/>
                 <a:cs typeface="Arial" pitchFamily="34" charset="0"/>
               </a:rPr>
-              <a:t>def</a:t>
-            </a:r>
-            <a:r>
-              <a:rPr lang="es-ES_tradnl" sz="2400" b="1" dirty="0">
-                <a:solidFill>
-                  <a:schemeClr val="bg1"/>
-                </a:solidFill>
-                <a:latin typeface="Arial" pitchFamily="34" charset="0"/>
-                <a:cs typeface="Arial" pitchFamily="34" charset="0"/>
-              </a:rPr>
-              <a:t> promedio (a, b):</a:t>
+              <a:t>def promedio (a, b):</a:t>
             </a:r>
           </a:p>
           <a:p>
@@ -20070,27 +19537,7 @@
                 <a:latin typeface="Arial" pitchFamily="34" charset="0"/>
                 <a:cs typeface="Arial" pitchFamily="34" charset="0"/>
               </a:rPr>
-              <a:t>       </a:t>
-            </a:r>
-            <a:r>
-              <a:rPr lang="es-ES_tradnl" sz="2400" b="1" dirty="0" err="1">
-                <a:solidFill>
-                  <a:schemeClr val="bg1"/>
-                </a:solidFill>
-                <a:latin typeface="Arial" pitchFamily="34" charset="0"/>
-                <a:cs typeface="Arial" pitchFamily="34" charset="0"/>
-              </a:rPr>
-              <a:t>return</a:t>
-            </a:r>
-            <a:r>
-              <a:rPr lang="es-ES_tradnl" sz="2400" b="1" dirty="0">
-                <a:solidFill>
-                  <a:schemeClr val="bg1"/>
-                </a:solidFill>
-                <a:latin typeface="Arial" pitchFamily="34" charset="0"/>
-                <a:cs typeface="Arial" pitchFamily="34" charset="0"/>
-              </a:rPr>
-              <a:t> (a+b)/2 </a:t>
+              <a:t>       return (a+b)/2 </a:t>
             </a:r>
           </a:p>
         </p:txBody>
@@ -20810,12 +20257,8 @@
                   </a:lnSpc>
                 </a:pPr>
                 <a:r>
-                  <a:rPr lang="es-ES_tradnl" sz="2400" b="1" dirty="0" err="1"/>
-                  <a:t>def</a:t>
-                </a:r>
-                <a:r>
                   <a:rPr lang="es-ES_tradnl" sz="2400" b="1" dirty="0"/>
-                  <a:t> promedio (a, b):</a:t>
+                  <a:t>def promedio (a, b):</a:t>
                 </a:r>
               </a:p>
               <a:p>
@@ -21975,7 +21418,7 @@
           <a:p>
             <a:pPr defTabSz="762000"/>
             <a:r>
-              <a:rPr lang="es-ES_tradnl" sz="2400" b="1" dirty="0" err="1">
+              <a:rPr lang="es-ES_tradnl" sz="2400" b="1" dirty="0">
                 <a:solidFill>
                   <a:srgbClr val="008000"/>
                 </a:solidFill>
